--- a/docs/Sprint1/sprint1_presentation.pptx
+++ b/docs/Sprint1/sprint1_presentation.pptx
@@ -119,6 +119,7 @@
 <p1510:revInfo xmlns:a="http://schemas.openxmlformats.org/drawingml/2006/main" xmlns:r="http://schemas.openxmlformats.org/officeDocument/2006/relationships" xmlns:p1510="http://schemas.microsoft.com/office/powerpoint/2015/10/main">
   <p1510:revLst>
     <p1510:client id="{BD047930-D4B8-405A-A6BC-FA85527E85CC}" v="293" dt="2020-11-05T22:05:19.574"/>
+    <p1510:client id="{EA985A9A-2EC5-F60D-C96D-085FC1EA4920}" v="86" dt="2020-11-05T22:58:50.526"/>
   </p1510:revLst>
 </p1510:revInfo>
 </file>
@@ -7945,7 +7946,9 @@
         </p:nvSpPr>
         <p:spPr/>
         <p:txBody>
-          <a:bodyPr/>
+          <a:bodyPr>
+            <a:normAutofit fontScale="92500" lnSpcReduction="20000"/>
+          </a:bodyPr>
           <a:lstStyle/>
           <a:p>
             <a:pPr marL="0" indent="0">
@@ -7961,8 +7964,26 @@
             <a:pPr marL="305435" indent="-305435"/>
             <a:r>
               <a:rPr lang="en-US" sz="2400" dirty="0"/>
+              <a:t>Git repository</a:t>
+            </a:r>
+          </a:p>
+          <a:p>
+            <a:pPr marL="305435" indent="-305435"/>
+            <a:r>
+              <a:rPr lang="en-US" sz="2400" dirty="0">
+                <a:ea typeface="+mn-lt"/>
+                <a:cs typeface="+mn-lt"/>
+              </a:rPr>
+              <a:t>Scrum board</a:t>
+            </a:r>
+          </a:p>
+          <a:p>
+            <a:pPr marL="305435" indent="-305435"/>
+            <a:r>
+              <a:rPr lang="en-US" sz="2400" dirty="0"/>
               <a:t>System design document</a:t>
             </a:r>
+            <a:endParaRPr lang="en-US" dirty="0"/>
           </a:p>
           <a:p>
             <a:pPr marL="305435" indent="-305435"/>
